--- a/2013-14/lecture3-4/slides/scala.pptx
+++ b/2013-14/lecture3-4/slides/scala.pptx
@@ -264,7 +264,7 @@
           <a:p>
             <a:fld id="{F6634EE6-E3E2-4752-AFAF-40BA9CECAF97}" type="datetimeFigureOut">
               <a:rPr lang="cs-CZ" smtClean="0"/>
-              <a:t>12.11.2012</a:t>
+              <a:t>31. 10. 2013</a:t>
             </a:fld>
             <a:endParaRPr lang="cs-CZ"/>
           </a:p>
@@ -430,7 +430,7 @@
             <a:fld id="{44F2E173-AC20-46B7-B073-0E359536B958}" type="datetimeFigureOut">
               <a:rPr lang="cs-CZ" smtClean="0"/>
               <a:pPr/>
-              <a:t>12.11.2012</a:t>
+              <a:t>31. 10. 2013</a:t>
             </a:fld>
             <a:endParaRPr lang="cs-CZ"/>
           </a:p>
@@ -2917,13 +2917,13 @@
   <p:clrMapOvr>
     <a:masterClrMapping/>
   </p:clrMapOvr>
-  <mc:AlternateContent xmlns:mc="http://schemas.openxmlformats.org/markup-compatibility/2006">
-    <mc:Choice xmlns:p14="http://schemas.microsoft.com/office/powerpoint/2010/main" Requires="p14">
+  <mc:AlternateContent xmlns:mc="http://schemas.openxmlformats.org/markup-compatibility/2006" xmlns:p14="http://schemas.microsoft.com/office/powerpoint/2010/main">
+    <mc:Choice Requires="p14">
       <p:transition p14:dur="250">
         <p:fade/>
       </p:transition>
     </mc:Choice>
-    <mc:Fallback>
+    <mc:Fallback xmlns="">
       <p:transition>
         <p:fade/>
       </p:transition>
@@ -3581,13 +3581,13 @@
   <p:clrMapOvr>
     <a:masterClrMapping/>
   </p:clrMapOvr>
-  <mc:AlternateContent xmlns:mc="http://schemas.openxmlformats.org/markup-compatibility/2006">
-    <mc:Choice xmlns:p14="http://schemas.microsoft.com/office/powerpoint/2010/main" Requires="p14">
+  <mc:AlternateContent xmlns:mc="http://schemas.openxmlformats.org/markup-compatibility/2006" xmlns:p14="http://schemas.microsoft.com/office/powerpoint/2010/main">
+    <mc:Choice Requires="p14">
       <p:transition p14:dur="250">
         <p:fade/>
       </p:transition>
     </mc:Choice>
-    <mc:Fallback>
+    <mc:Fallback xmlns="">
       <p:transition>
         <p:fade/>
       </p:transition>
@@ -4082,13 +4082,13 @@
   <p:clrMapOvr>
     <a:masterClrMapping/>
   </p:clrMapOvr>
-  <mc:AlternateContent xmlns:mc="http://schemas.openxmlformats.org/markup-compatibility/2006">
-    <mc:Choice xmlns:p14="http://schemas.microsoft.com/office/powerpoint/2010/main" Requires="p14">
+  <mc:AlternateContent xmlns:mc="http://schemas.openxmlformats.org/markup-compatibility/2006" xmlns:p14="http://schemas.microsoft.com/office/powerpoint/2010/main">
+    <mc:Choice Requires="p14">
       <p:transition p14:dur="250">
         <p:fade/>
       </p:transition>
     </mc:Choice>
-    <mc:Fallback>
+    <mc:Fallback xmlns="">
       <p:transition>
         <p:fade/>
       </p:transition>
@@ -4227,13 +4227,13 @@
   <p:clrMapOvr>
     <a:masterClrMapping/>
   </p:clrMapOvr>
-  <mc:AlternateContent xmlns:mc="http://schemas.openxmlformats.org/markup-compatibility/2006">
-    <mc:Choice xmlns:p14="http://schemas.microsoft.com/office/powerpoint/2010/main" Requires="p14">
+  <mc:AlternateContent xmlns:mc="http://schemas.openxmlformats.org/markup-compatibility/2006" xmlns:p14="http://schemas.microsoft.com/office/powerpoint/2010/main">
+    <mc:Choice Requires="p14">
       <p:transition p14:dur="250">
         <p:fade/>
       </p:transition>
     </mc:Choice>
-    <mc:Fallback>
+    <mc:Fallback xmlns="">
       <p:transition>
         <p:fade/>
       </p:transition>
@@ -4727,13 +4727,13 @@
   <p:clrMapOvr>
     <a:masterClrMapping/>
   </p:clrMapOvr>
-  <mc:AlternateContent xmlns:mc="http://schemas.openxmlformats.org/markup-compatibility/2006">
-    <mc:Choice xmlns:p14="http://schemas.microsoft.com/office/powerpoint/2010/main" Requires="p14">
+  <mc:AlternateContent xmlns:mc="http://schemas.openxmlformats.org/markup-compatibility/2006" xmlns:p14="http://schemas.microsoft.com/office/powerpoint/2010/main">
+    <mc:Choice Requires="p14">
       <p:transition p14:dur="250">
         <p:fade/>
       </p:transition>
     </mc:Choice>
-    <mc:Fallback>
+    <mc:Fallback xmlns="">
       <p:transition>
         <p:fade/>
       </p:transition>
@@ -4916,13 +4916,13 @@
   <p:clrMapOvr>
     <a:masterClrMapping/>
   </p:clrMapOvr>
-  <mc:AlternateContent xmlns:mc="http://schemas.openxmlformats.org/markup-compatibility/2006">
-    <mc:Choice xmlns:p14="http://schemas.microsoft.com/office/powerpoint/2010/main" Requires="p14">
+  <mc:AlternateContent xmlns:mc="http://schemas.openxmlformats.org/markup-compatibility/2006" xmlns:p14="http://schemas.microsoft.com/office/powerpoint/2010/main">
+    <mc:Choice Requires="p14">
       <p:transition p14:dur="250">
         <p:fade/>
       </p:transition>
     </mc:Choice>
-    <mc:Fallback>
+    <mc:Fallback xmlns="">
       <p:transition>
         <p:fade/>
       </p:transition>
@@ -5480,13 +5480,13 @@
   <p:clrMapOvr>
     <a:masterClrMapping/>
   </p:clrMapOvr>
-  <mc:AlternateContent xmlns:mc="http://schemas.openxmlformats.org/markup-compatibility/2006">
-    <mc:Choice xmlns:p14="http://schemas.microsoft.com/office/powerpoint/2010/main" Requires="p14">
+  <mc:AlternateContent xmlns:mc="http://schemas.openxmlformats.org/markup-compatibility/2006" xmlns:p14="http://schemas.microsoft.com/office/powerpoint/2010/main">
+    <mc:Choice Requires="p14">
       <p:transition p14:dur="250">
         <p:fade/>
       </p:transition>
     </mc:Choice>
-    <mc:Fallback>
+    <mc:Fallback xmlns="">
       <p:transition>
         <p:fade/>
       </p:transition>
@@ -5931,13 +5931,13 @@
   <p:clrMapOvr>
     <a:masterClrMapping/>
   </p:clrMapOvr>
-  <mc:AlternateContent xmlns:mc="http://schemas.openxmlformats.org/markup-compatibility/2006">
-    <mc:Choice xmlns:p14="http://schemas.microsoft.com/office/powerpoint/2010/main" Requires="p14">
+  <mc:AlternateContent xmlns:mc="http://schemas.openxmlformats.org/markup-compatibility/2006" xmlns:p14="http://schemas.microsoft.com/office/powerpoint/2010/main">
+    <mc:Choice Requires="p14">
       <p:transition p14:dur="250">
         <p:fade/>
       </p:transition>
     </mc:Choice>
-    <mc:Fallback>
+    <mc:Fallback xmlns="">
       <p:transition>
         <p:fade/>
       </p:transition>
@@ -6388,13 +6388,13 @@
   <p:clrMapOvr>
     <a:masterClrMapping/>
   </p:clrMapOvr>
-  <mc:AlternateContent xmlns:mc="http://schemas.openxmlformats.org/markup-compatibility/2006">
-    <mc:Choice xmlns:p14="http://schemas.microsoft.com/office/powerpoint/2010/main" Requires="p14">
+  <mc:AlternateContent xmlns:mc="http://schemas.openxmlformats.org/markup-compatibility/2006" xmlns:p14="http://schemas.microsoft.com/office/powerpoint/2010/main">
+    <mc:Choice Requires="p14">
       <p:transition p14:dur="250">
         <p:fade/>
       </p:transition>
     </mc:Choice>
-    <mc:Fallback>
+    <mc:Fallback xmlns="">
       <p:transition>
         <p:fade/>
       </p:transition>
@@ -7336,13 +7336,13 @@
   <p:clrMapOvr>
     <a:masterClrMapping/>
   </p:clrMapOvr>
-  <mc:AlternateContent xmlns:mc="http://schemas.openxmlformats.org/markup-compatibility/2006">
-    <mc:Choice xmlns:p14="http://schemas.microsoft.com/office/powerpoint/2010/main" Requires="p14">
+  <mc:AlternateContent xmlns:mc="http://schemas.openxmlformats.org/markup-compatibility/2006" xmlns:p14="http://schemas.microsoft.com/office/powerpoint/2010/main">
+    <mc:Choice Requires="p14">
       <p:transition p14:dur="250">
         <p:fade/>
       </p:transition>
     </mc:Choice>
-    <mc:Fallback>
+    <mc:Fallback xmlns="">
       <p:transition>
         <p:fade/>
       </p:transition>
@@ -7840,13 +7840,13 @@
   <p:clrMapOvr>
     <a:masterClrMapping/>
   </p:clrMapOvr>
-  <mc:AlternateContent xmlns:mc="http://schemas.openxmlformats.org/markup-compatibility/2006">
-    <mc:Choice xmlns:p14="http://schemas.microsoft.com/office/powerpoint/2010/main" Requires="p14">
+  <mc:AlternateContent xmlns:mc="http://schemas.openxmlformats.org/markup-compatibility/2006" xmlns:p14="http://schemas.microsoft.com/office/powerpoint/2010/main">
+    <mc:Choice Requires="p14">
       <p:transition p14:dur="250">
         <p:fade/>
       </p:transition>
     </mc:Choice>
-    <mc:Fallback>
+    <mc:Fallback xmlns="">
       <p:transition>
         <p:fade/>
       </p:transition>
@@ -8035,13 +8035,13 @@
   <p:clrMapOvr>
     <a:masterClrMapping/>
   </p:clrMapOvr>
-  <mc:AlternateContent xmlns:mc="http://schemas.openxmlformats.org/markup-compatibility/2006">
-    <mc:Choice xmlns:p14="http://schemas.microsoft.com/office/powerpoint/2010/main" Requires="p14">
+  <mc:AlternateContent xmlns:mc="http://schemas.openxmlformats.org/markup-compatibility/2006" xmlns:p14="http://schemas.microsoft.com/office/powerpoint/2010/main">
+    <mc:Choice Requires="p14">
       <p:transition p14:dur="250">
         <p:fade/>
       </p:transition>
     </mc:Choice>
-    <mc:Fallback>
+    <mc:Fallback xmlns="">
       <p:transition>
         <p:fade/>
       </p:transition>
@@ -8191,13 +8191,13 @@
   <p:clrMapOvr>
     <a:masterClrMapping/>
   </p:clrMapOvr>
-  <mc:AlternateContent xmlns:mc="http://schemas.openxmlformats.org/markup-compatibility/2006">
-    <mc:Choice xmlns:p14="http://schemas.microsoft.com/office/powerpoint/2010/main" Requires="p14">
+  <mc:AlternateContent xmlns:mc="http://schemas.openxmlformats.org/markup-compatibility/2006" xmlns:p14="http://schemas.microsoft.com/office/powerpoint/2010/main">
+    <mc:Choice Requires="p14">
       <p:transition p14:dur="250">
         <p:fade/>
       </p:transition>
     </mc:Choice>
-    <mc:Fallback>
+    <mc:Fallback xmlns="">
       <p:transition>
         <p:fade/>
       </p:transition>
@@ -8624,13 +8624,13 @@
   <p:clrMapOvr>
     <a:masterClrMapping/>
   </p:clrMapOvr>
-  <mc:AlternateContent xmlns:mc="http://schemas.openxmlformats.org/markup-compatibility/2006">
-    <mc:Choice xmlns:p14="http://schemas.microsoft.com/office/powerpoint/2010/main" Requires="p14">
+  <mc:AlternateContent xmlns:mc="http://schemas.openxmlformats.org/markup-compatibility/2006" xmlns:p14="http://schemas.microsoft.com/office/powerpoint/2010/main">
+    <mc:Choice Requires="p14">
       <p:transition p14:dur="250">
         <p:fade/>
       </p:transition>
     </mc:Choice>
-    <mc:Fallback>
+    <mc:Fallback xmlns="">
       <p:transition>
         <p:fade/>
       </p:transition>
@@ -9284,13 +9284,13 @@
   <p:clrMapOvr>
     <a:masterClrMapping/>
   </p:clrMapOvr>
-  <mc:AlternateContent xmlns:mc="http://schemas.openxmlformats.org/markup-compatibility/2006">
-    <mc:Choice xmlns:p14="http://schemas.microsoft.com/office/powerpoint/2010/main" Requires="p14">
+  <mc:AlternateContent xmlns:mc="http://schemas.openxmlformats.org/markup-compatibility/2006" xmlns:p14="http://schemas.microsoft.com/office/powerpoint/2010/main">
+    <mc:Choice Requires="p14">
       <p:transition p14:dur="250">
         <p:fade/>
       </p:transition>
     </mc:Choice>
-    <mc:Fallback>
+    <mc:Fallback xmlns="">
       <p:transition>
         <p:fade/>
       </p:transition>
@@ -9454,13 +9454,13 @@
   <p:clrMapOvr>
     <a:masterClrMapping/>
   </p:clrMapOvr>
-  <mc:AlternateContent xmlns:mc="http://schemas.openxmlformats.org/markup-compatibility/2006">
-    <mc:Choice xmlns:p14="http://schemas.microsoft.com/office/powerpoint/2010/main" Requires="p14">
+  <mc:AlternateContent xmlns:mc="http://schemas.openxmlformats.org/markup-compatibility/2006" xmlns:p14="http://schemas.microsoft.com/office/powerpoint/2010/main">
+    <mc:Choice Requires="p14">
       <p:transition p14:dur="250">
         <p:fade/>
       </p:transition>
     </mc:Choice>
-    <mc:Fallback>
+    <mc:Fallback xmlns="">
       <p:transition>
         <p:fade/>
       </p:transition>
@@ -10336,13 +10336,13 @@
   <p:clrMapOvr>
     <a:masterClrMapping/>
   </p:clrMapOvr>
-  <mc:AlternateContent xmlns:mc="http://schemas.openxmlformats.org/markup-compatibility/2006">
-    <mc:Choice xmlns:p14="http://schemas.microsoft.com/office/powerpoint/2010/main" Requires="p14">
+  <mc:AlternateContent xmlns:mc="http://schemas.openxmlformats.org/markup-compatibility/2006" xmlns:p14="http://schemas.microsoft.com/office/powerpoint/2010/main">
+    <mc:Choice Requires="p14">
       <p:transition p14:dur="250">
         <p:fade/>
       </p:transition>
     </mc:Choice>
-    <mc:Fallback>
+    <mc:Fallback xmlns="">
       <p:transition>
         <p:fade/>
       </p:transition>
@@ -11038,13 +11038,13 @@
   <p:clrMapOvr>
     <a:masterClrMapping/>
   </p:clrMapOvr>
-  <mc:AlternateContent xmlns:mc="http://schemas.openxmlformats.org/markup-compatibility/2006">
-    <mc:Choice xmlns:p14="http://schemas.microsoft.com/office/powerpoint/2010/main" Requires="p14">
+  <mc:AlternateContent xmlns:mc="http://schemas.openxmlformats.org/markup-compatibility/2006" xmlns:p14="http://schemas.microsoft.com/office/powerpoint/2010/main">
+    <mc:Choice Requires="p14">
       <p:transition p14:dur="250">
         <p:fade/>
       </p:transition>
     </mc:Choice>
-    <mc:Fallback>
+    <mc:Fallback xmlns="">
       <p:transition>
         <p:fade/>
       </p:transition>
@@ -11613,13 +11613,13 @@
   <p:clrMapOvr>
     <a:masterClrMapping/>
   </p:clrMapOvr>
-  <mc:AlternateContent xmlns:mc="http://schemas.openxmlformats.org/markup-compatibility/2006">
-    <mc:Choice xmlns:p14="http://schemas.microsoft.com/office/powerpoint/2010/main" Requires="p14">
+  <mc:AlternateContent xmlns:mc="http://schemas.openxmlformats.org/markup-compatibility/2006" xmlns:p14="http://schemas.microsoft.com/office/powerpoint/2010/main">
+    <mc:Choice Requires="p14">
       <p:transition p14:dur="250">
         <p:fade/>
       </p:transition>
     </mc:Choice>
-    <mc:Fallback>
+    <mc:Fallback xmlns="">
       <p:transition>
         <p:fade/>
       </p:transition>
@@ -11738,13 +11738,13 @@
   <p:clrMapOvr>
     <a:masterClrMapping/>
   </p:clrMapOvr>
-  <mc:AlternateContent xmlns:mc="http://schemas.openxmlformats.org/markup-compatibility/2006">
-    <mc:Choice xmlns:p14="http://schemas.microsoft.com/office/powerpoint/2010/main" Requires="p14">
+  <mc:AlternateContent xmlns:mc="http://schemas.openxmlformats.org/markup-compatibility/2006" xmlns:p14="http://schemas.microsoft.com/office/powerpoint/2010/main">
+    <mc:Choice Requires="p14">
       <p:transition p14:dur="250">
         <p:fade/>
       </p:transition>
     </mc:Choice>
-    <mc:Fallback>
+    <mc:Fallback xmlns="">
       <p:transition>
         <p:fade/>
       </p:transition>
@@ -12315,13 +12315,13 @@
   <p:clrMapOvr>
     <a:masterClrMapping/>
   </p:clrMapOvr>
-  <mc:AlternateContent xmlns:mc="http://schemas.openxmlformats.org/markup-compatibility/2006">
-    <mc:Choice xmlns:p14="http://schemas.microsoft.com/office/powerpoint/2010/main" Requires="p14">
+  <mc:AlternateContent xmlns:mc="http://schemas.openxmlformats.org/markup-compatibility/2006" xmlns:p14="http://schemas.microsoft.com/office/powerpoint/2010/main">
+    <mc:Choice Requires="p14">
       <p:transition p14:dur="250">
         <p:fade/>
       </p:transition>
     </mc:Choice>
-    <mc:Fallback>
+    <mc:Fallback xmlns="">
       <p:transition>
         <p:fade/>
       </p:transition>
@@ -12443,13 +12443,13 @@
   <p:clrMapOvr>
     <a:masterClrMapping/>
   </p:clrMapOvr>
-  <mc:AlternateContent xmlns:mc="http://schemas.openxmlformats.org/markup-compatibility/2006">
-    <mc:Choice xmlns:p14="http://schemas.microsoft.com/office/powerpoint/2010/main" Requires="p14">
+  <mc:AlternateContent xmlns:mc="http://schemas.openxmlformats.org/markup-compatibility/2006" xmlns:p14="http://schemas.microsoft.com/office/powerpoint/2010/main">
+    <mc:Choice Requires="p14">
       <p:transition p14:dur="250">
         <p:fade/>
       </p:transition>
     </mc:Choice>
-    <mc:Fallback>
+    <mc:Fallback xmlns="">
       <p:transition>
         <p:fade/>
       </p:transition>
@@ -13103,13 +13103,13 @@
   <p:clrMapOvr>
     <a:masterClrMapping/>
   </p:clrMapOvr>
-  <mc:AlternateContent xmlns:mc="http://schemas.openxmlformats.org/markup-compatibility/2006">
-    <mc:Choice xmlns:p14="http://schemas.microsoft.com/office/powerpoint/2010/main" Requires="p14">
+  <mc:AlternateContent xmlns:mc="http://schemas.openxmlformats.org/markup-compatibility/2006" xmlns:p14="http://schemas.microsoft.com/office/powerpoint/2010/main">
+    <mc:Choice Requires="p14">
       <p:transition p14:dur="250">
         <p:fade/>
       </p:transition>
     </mc:Choice>
-    <mc:Fallback>
+    <mc:Fallback xmlns="">
       <p:transition>
         <p:fade/>
       </p:transition>
@@ -13765,13 +13765,13 @@
   <p:clrMapOvr>
     <a:masterClrMapping/>
   </p:clrMapOvr>
-  <mc:AlternateContent xmlns:mc="http://schemas.openxmlformats.org/markup-compatibility/2006">
-    <mc:Choice xmlns:p14="http://schemas.microsoft.com/office/powerpoint/2010/main" Requires="p14">
+  <mc:AlternateContent xmlns:mc="http://schemas.openxmlformats.org/markup-compatibility/2006" xmlns:p14="http://schemas.microsoft.com/office/powerpoint/2010/main">
+    <mc:Choice Requires="p14">
       <p:transition p14:dur="250">
         <p:fade/>
       </p:transition>
     </mc:Choice>
-    <mc:Fallback>
+    <mc:Fallback xmlns="">
       <p:transition>
         <p:fade/>
       </p:transition>
@@ -14462,13 +14462,13 @@
   <p:clrMapOvr>
     <a:masterClrMapping/>
   </p:clrMapOvr>
-  <mc:AlternateContent xmlns:mc="http://schemas.openxmlformats.org/markup-compatibility/2006">
-    <mc:Choice xmlns:p14="http://schemas.microsoft.com/office/powerpoint/2010/main" Requires="p14">
+  <mc:AlternateContent xmlns:mc="http://schemas.openxmlformats.org/markup-compatibility/2006" xmlns:p14="http://schemas.microsoft.com/office/powerpoint/2010/main">
+    <mc:Choice Requires="p14">
       <p:transition p14:dur="250">
         <p:fade/>
       </p:transition>
     </mc:Choice>
-    <mc:Fallback>
+    <mc:Fallback xmlns="">
       <p:transition>
         <p:fade/>
       </p:transition>
@@ -15021,13 +15021,13 @@
   <p:clrMapOvr>
     <a:masterClrMapping/>
   </p:clrMapOvr>
-  <mc:AlternateContent xmlns:mc="http://schemas.openxmlformats.org/markup-compatibility/2006">
-    <mc:Choice xmlns:p14="http://schemas.microsoft.com/office/powerpoint/2010/main" Requires="p14">
+  <mc:AlternateContent xmlns:mc="http://schemas.openxmlformats.org/markup-compatibility/2006" xmlns:p14="http://schemas.microsoft.com/office/powerpoint/2010/main">
+    <mc:Choice Requires="p14">
       <p:transition p14:dur="250">
         <p:fade/>
       </p:transition>
     </mc:Choice>
-    <mc:Fallback>
+    <mc:Fallback xmlns="">
       <p:transition>
         <p:fade/>
       </p:transition>
@@ -15195,13 +15195,13 @@
   <p:clrMapOvr>
     <a:masterClrMapping/>
   </p:clrMapOvr>
-  <mc:AlternateContent xmlns:mc="http://schemas.openxmlformats.org/markup-compatibility/2006">
-    <mc:Choice xmlns:p14="http://schemas.microsoft.com/office/powerpoint/2010/main" Requires="p14">
+  <mc:AlternateContent xmlns:mc="http://schemas.openxmlformats.org/markup-compatibility/2006" xmlns:p14="http://schemas.microsoft.com/office/powerpoint/2010/main">
+    <mc:Choice Requires="p14">
       <p:transition p14:dur="250">
         <p:fade/>
       </p:transition>
     </mc:Choice>
-    <mc:Fallback>
+    <mc:Fallback xmlns="">
       <p:transition>
         <p:fade/>
       </p:transition>
@@ -15873,13 +15873,13 @@
   <p:clrMapOvr>
     <a:masterClrMapping/>
   </p:clrMapOvr>
-  <mc:AlternateContent xmlns:mc="http://schemas.openxmlformats.org/markup-compatibility/2006">
-    <mc:Choice xmlns:p14="http://schemas.microsoft.com/office/powerpoint/2010/main" Requires="p14">
+  <mc:AlternateContent xmlns:mc="http://schemas.openxmlformats.org/markup-compatibility/2006" xmlns:p14="http://schemas.microsoft.com/office/powerpoint/2010/main">
+    <mc:Choice Requires="p14">
       <p:transition p14:dur="250">
         <p:fade/>
       </p:transition>
     </mc:Choice>
-    <mc:Fallback>
+    <mc:Fallback xmlns="">
       <p:transition>
         <p:fade/>
       </p:transition>
@@ -16002,13 +16002,13 @@
   <p:clrMapOvr>
     <a:masterClrMapping/>
   </p:clrMapOvr>
-  <mc:AlternateContent xmlns:mc="http://schemas.openxmlformats.org/markup-compatibility/2006">
-    <mc:Choice xmlns:p14="http://schemas.microsoft.com/office/powerpoint/2010/main" Requires="p14">
+  <mc:AlternateContent xmlns:mc="http://schemas.openxmlformats.org/markup-compatibility/2006" xmlns:p14="http://schemas.microsoft.com/office/powerpoint/2010/main">
+    <mc:Choice Requires="p14">
       <p:transition p14:dur="250">
         <p:fade/>
       </p:transition>
     </mc:Choice>
-    <mc:Fallback>
+    <mc:Fallback xmlns="">
       <p:transition>
         <p:fade/>
       </p:transition>
@@ -16146,13 +16146,13 @@
   <p:clrMapOvr>
     <a:masterClrMapping/>
   </p:clrMapOvr>
-  <mc:AlternateContent xmlns:mc="http://schemas.openxmlformats.org/markup-compatibility/2006">
-    <mc:Choice xmlns:p14="http://schemas.microsoft.com/office/powerpoint/2010/main" Requires="p14">
+  <mc:AlternateContent xmlns:mc="http://schemas.openxmlformats.org/markup-compatibility/2006" xmlns:p14="http://schemas.microsoft.com/office/powerpoint/2010/main">
+    <mc:Choice Requires="p14">
       <p:transition p14:dur="250">
         <p:fade/>
       </p:transition>
     </mc:Choice>
-    <mc:Fallback>
+    <mc:Fallback xmlns="">
       <p:transition>
         <p:fade/>
       </p:transition>
@@ -16229,8 +16229,8 @@
               <a:t>Semicolon </a:t>
             </a:r>
             <a:r>
-              <a:rPr lang="en-US" dirty="0" err="1" smtClean="0"/>
-              <a:t>inferrence</a:t>
+              <a:rPr lang="en-US" dirty="0" smtClean="0"/>
+              <a:t>inference</a:t>
             </a:r>
             <a:endParaRPr lang="cs-CZ" dirty="0"/>
           </a:p>
@@ -16345,13 +16345,13 @@
   <p:clrMapOvr>
     <a:masterClrMapping/>
   </p:clrMapOvr>
-  <mc:AlternateContent xmlns:mc="http://schemas.openxmlformats.org/markup-compatibility/2006">
-    <mc:Choice xmlns:p14="http://schemas.microsoft.com/office/powerpoint/2010/main" Requires="p14">
+  <mc:AlternateContent xmlns:mc="http://schemas.openxmlformats.org/markup-compatibility/2006" xmlns:p14="http://schemas.microsoft.com/office/powerpoint/2010/main">
+    <mc:Choice Requires="p14">
       <p:transition p14:dur="250">
         <p:fade/>
       </p:transition>
     </mc:Choice>
-    <mc:Fallback>
+    <mc:Fallback xmlns="">
       <p:transition>
         <p:fade/>
       </p:transition>
@@ -16486,13 +16486,13 @@
   <p:clrMapOvr>
     <a:masterClrMapping/>
   </p:clrMapOvr>
-  <mc:AlternateContent xmlns:mc="http://schemas.openxmlformats.org/markup-compatibility/2006">
-    <mc:Choice xmlns:p14="http://schemas.microsoft.com/office/powerpoint/2010/main" Requires="p14">
+  <mc:AlternateContent xmlns:mc="http://schemas.openxmlformats.org/markup-compatibility/2006" xmlns:p14="http://schemas.microsoft.com/office/powerpoint/2010/main">
+    <mc:Choice Requires="p14">
       <p:transition p14:dur="250">
         <p:fade/>
       </p:transition>
     </mc:Choice>
-    <mc:Fallback>
+    <mc:Fallback xmlns="">
       <p:transition>
         <p:fade/>
       </p:transition>
@@ -16631,13 +16631,13 @@
   <p:clrMapOvr>
     <a:masterClrMapping/>
   </p:clrMapOvr>
-  <mc:AlternateContent xmlns:mc="http://schemas.openxmlformats.org/markup-compatibility/2006">
-    <mc:Choice xmlns:p14="http://schemas.microsoft.com/office/powerpoint/2010/main" Requires="p14">
+  <mc:AlternateContent xmlns:mc="http://schemas.openxmlformats.org/markup-compatibility/2006" xmlns:p14="http://schemas.microsoft.com/office/powerpoint/2010/main">
+    <mc:Choice Requires="p14">
       <p:transition p14:dur="250">
         <p:fade/>
       </p:transition>
     </mc:Choice>
-    <mc:Fallback>
+    <mc:Fallback xmlns="">
       <p:transition>
         <p:fade/>
       </p:transition>
@@ -16808,13 +16808,13 @@
   <p:clrMapOvr>
     <a:masterClrMapping/>
   </p:clrMapOvr>
-  <mc:AlternateContent xmlns:mc="http://schemas.openxmlformats.org/markup-compatibility/2006">
-    <mc:Choice xmlns:p14="http://schemas.microsoft.com/office/powerpoint/2010/main" Requires="p14">
+  <mc:AlternateContent xmlns:mc="http://schemas.openxmlformats.org/markup-compatibility/2006" xmlns:p14="http://schemas.microsoft.com/office/powerpoint/2010/main">
+    <mc:Choice Requires="p14">
       <p:transition p14:dur="250">
         <p:fade/>
       </p:transition>
     </mc:Choice>
-    <mc:Fallback>
+    <mc:Fallback xmlns="">
       <p:transition>
         <p:fade/>
       </p:transition>
@@ -16942,13 +16942,13 @@
   <p:clrMapOvr>
     <a:masterClrMapping/>
   </p:clrMapOvr>
-  <mc:AlternateContent xmlns:mc="http://schemas.openxmlformats.org/markup-compatibility/2006">
-    <mc:Choice xmlns:p14="http://schemas.microsoft.com/office/powerpoint/2010/main" Requires="p14">
+  <mc:AlternateContent xmlns:mc="http://schemas.openxmlformats.org/markup-compatibility/2006" xmlns:p14="http://schemas.microsoft.com/office/powerpoint/2010/main">
+    <mc:Choice Requires="p14">
       <p:transition p14:dur="250">
         <p:fade/>
       </p:transition>
     </mc:Choice>
-    <mc:Fallback>
+    <mc:Fallback xmlns="">
       <p:transition>
         <p:fade/>
       </p:transition>
@@ -17095,13 +17095,13 @@
   <p:clrMapOvr>
     <a:masterClrMapping/>
   </p:clrMapOvr>
-  <mc:AlternateContent xmlns:mc="http://schemas.openxmlformats.org/markup-compatibility/2006">
-    <mc:Choice xmlns:p14="http://schemas.microsoft.com/office/powerpoint/2010/main" Requires="p14">
+  <mc:AlternateContent xmlns:mc="http://schemas.openxmlformats.org/markup-compatibility/2006" xmlns:p14="http://schemas.microsoft.com/office/powerpoint/2010/main">
+    <mc:Choice Requires="p14">
       <p:transition p14:dur="250">
         <p:fade/>
       </p:transition>
     </mc:Choice>
-    <mc:Fallback>
+    <mc:Fallback xmlns="">
       <p:transition>
         <p:fade/>
       </p:transition>
@@ -17274,13 +17274,13 @@
   <p:clrMapOvr>
     <a:masterClrMapping/>
   </p:clrMapOvr>
-  <mc:AlternateContent xmlns:mc="http://schemas.openxmlformats.org/markup-compatibility/2006">
-    <mc:Choice xmlns:p14="http://schemas.microsoft.com/office/powerpoint/2010/main" Requires="p14">
+  <mc:AlternateContent xmlns:mc="http://schemas.openxmlformats.org/markup-compatibility/2006" xmlns:p14="http://schemas.microsoft.com/office/powerpoint/2010/main">
+    <mc:Choice Requires="p14">
       <p:transition p14:dur="250">
         <p:fade/>
       </p:transition>
     </mc:Choice>
-    <mc:Fallback>
+    <mc:Fallback xmlns="">
       <p:transition>
         <p:fade/>
       </p:transition>
@@ -17545,13 +17545,13 @@
   <p:clrMapOvr>
     <a:masterClrMapping/>
   </p:clrMapOvr>
-  <mc:AlternateContent xmlns:mc="http://schemas.openxmlformats.org/markup-compatibility/2006">
-    <mc:Choice xmlns:p14="http://schemas.microsoft.com/office/powerpoint/2010/main" Requires="p14">
+  <mc:AlternateContent xmlns:mc="http://schemas.openxmlformats.org/markup-compatibility/2006" xmlns:p14="http://schemas.microsoft.com/office/powerpoint/2010/main">
+    <mc:Choice Requires="p14">
       <p:transition p14:dur="250">
         <p:fade/>
       </p:transition>
     </mc:Choice>
-    <mc:Fallback>
+    <mc:Fallback xmlns="">
       <p:transition>
         <p:fade/>
       </p:transition>
@@ -17692,13 +17692,13 @@
   <p:clrMapOvr>
     <a:masterClrMapping/>
   </p:clrMapOvr>
-  <mc:AlternateContent xmlns:mc="http://schemas.openxmlformats.org/markup-compatibility/2006">
-    <mc:Choice xmlns:p14="http://schemas.microsoft.com/office/powerpoint/2010/main" Requires="p14">
+  <mc:AlternateContent xmlns:mc="http://schemas.openxmlformats.org/markup-compatibility/2006" xmlns:p14="http://schemas.microsoft.com/office/powerpoint/2010/main">
+    <mc:Choice Requires="p14">
       <p:transition p14:dur="250">
         <p:fade/>
       </p:transition>
     </mc:Choice>
-    <mc:Fallback>
+    <mc:Fallback xmlns="">
       <p:transition>
         <p:fade/>
       </p:transition>
@@ -17795,11 +17795,7 @@
           <a:p>
             <a:r>
               <a:rPr lang="en-US" dirty="0" smtClean="0"/>
-              <a:t>One </a:t>
-            </a:r>
-            <a:r>
-              <a:rPr lang="en-US" dirty="0" smtClean="0"/>
-              <a:t>primary constructor</a:t>
+              <a:t>One primary constructor</a:t>
             </a:r>
           </a:p>
           <a:p>
@@ -17822,11 +17818,7 @@
           <a:p>
             <a:r>
               <a:rPr lang="en-US" dirty="0" smtClean="0"/>
-              <a:t>Auxiliary </a:t>
-            </a:r>
-            <a:r>
-              <a:rPr lang="en-US" dirty="0" smtClean="0"/>
-              <a:t>constructors</a:t>
+              <a:t>Auxiliary constructors</a:t>
             </a:r>
           </a:p>
           <a:p>
@@ -17859,13 +17851,13 @@
   <p:clrMapOvr>
     <a:masterClrMapping/>
   </p:clrMapOvr>
-  <mc:AlternateContent xmlns:mc="http://schemas.openxmlformats.org/markup-compatibility/2006">
-    <mc:Choice xmlns:p14="http://schemas.microsoft.com/office/powerpoint/2010/main" Requires="p14">
+  <mc:AlternateContent xmlns:mc="http://schemas.openxmlformats.org/markup-compatibility/2006" xmlns:p14="http://schemas.microsoft.com/office/powerpoint/2010/main">
+    <mc:Choice Requires="p14">
       <p:transition p14:dur="250">
         <p:fade/>
       </p:transition>
     </mc:Choice>
-    <mc:Fallback>
+    <mc:Fallback xmlns="">
       <p:transition>
         <p:fade/>
       </p:transition>
@@ -18003,13 +17995,13 @@
   <p:clrMapOvr>
     <a:masterClrMapping/>
   </p:clrMapOvr>
-  <mc:AlternateContent xmlns:mc="http://schemas.openxmlformats.org/markup-compatibility/2006">
-    <mc:Choice xmlns:p14="http://schemas.microsoft.com/office/powerpoint/2010/main" Requires="p14">
+  <mc:AlternateContent xmlns:mc="http://schemas.openxmlformats.org/markup-compatibility/2006" xmlns:p14="http://schemas.microsoft.com/office/powerpoint/2010/main">
+    <mc:Choice Requires="p14">
       <p:transition p14:dur="250">
         <p:fade/>
       </p:transition>
     </mc:Choice>
-    <mc:Fallback>
+    <mc:Fallback xmlns="">
       <p:transition>
         <p:fade/>
       </p:transition>
@@ -18225,13 +18217,13 @@
   <p:clrMapOvr>
     <a:masterClrMapping/>
   </p:clrMapOvr>
-  <mc:AlternateContent xmlns:mc="http://schemas.openxmlformats.org/markup-compatibility/2006">
-    <mc:Choice xmlns:p14="http://schemas.microsoft.com/office/powerpoint/2010/main" Requires="p14">
+  <mc:AlternateContent xmlns:mc="http://schemas.openxmlformats.org/markup-compatibility/2006" xmlns:p14="http://schemas.microsoft.com/office/powerpoint/2010/main">
+    <mc:Choice Requires="p14">
       <p:transition p14:dur="250">
         <p:fade/>
       </p:transition>
     </mc:Choice>
-    <mc:Fallback>
+    <mc:Fallback xmlns="">
       <p:transition>
         <p:fade/>
       </p:transition>
@@ -18403,13 +18395,13 @@
   <p:clrMapOvr>
     <a:masterClrMapping/>
   </p:clrMapOvr>
-  <mc:AlternateContent xmlns:mc="http://schemas.openxmlformats.org/markup-compatibility/2006">
-    <mc:Choice xmlns:p14="http://schemas.microsoft.com/office/powerpoint/2010/main" Requires="p14">
+  <mc:AlternateContent xmlns:mc="http://schemas.openxmlformats.org/markup-compatibility/2006" xmlns:p14="http://schemas.microsoft.com/office/powerpoint/2010/main">
+    <mc:Choice Requires="p14">
       <p:transition p14:dur="250">
         <p:fade/>
       </p:transition>
     </mc:Choice>
-    <mc:Fallback>
+    <mc:Fallback xmlns="">
       <p:transition>
         <p:fade/>
       </p:transition>
@@ -18611,13 +18603,13 @@
   <p:clrMapOvr>
     <a:masterClrMapping/>
   </p:clrMapOvr>
-  <mc:AlternateContent xmlns:mc="http://schemas.openxmlformats.org/markup-compatibility/2006">
-    <mc:Choice xmlns:p14="http://schemas.microsoft.com/office/powerpoint/2010/main" Requires="p14">
+  <mc:AlternateContent xmlns:mc="http://schemas.openxmlformats.org/markup-compatibility/2006" xmlns:p14="http://schemas.microsoft.com/office/powerpoint/2010/main">
+    <mc:Choice Requires="p14">
       <p:transition p14:dur="250">
         <p:fade/>
       </p:transition>
     </mc:Choice>
-    <mc:Fallback>
+    <mc:Fallback xmlns="">
       <p:transition>
         <p:fade/>
       </p:transition>
@@ -19138,13 +19130,13 @@
   <p:clrMapOvr>
     <a:masterClrMapping/>
   </p:clrMapOvr>
-  <mc:AlternateContent xmlns:mc="http://schemas.openxmlformats.org/markup-compatibility/2006">
-    <mc:Choice xmlns:p14="http://schemas.microsoft.com/office/powerpoint/2010/main" Requires="p14">
+  <mc:AlternateContent xmlns:mc="http://schemas.openxmlformats.org/markup-compatibility/2006" xmlns:p14="http://schemas.microsoft.com/office/powerpoint/2010/main">
+    <mc:Choice Requires="p14">
       <p:transition p14:dur="250">
         <p:fade/>
       </p:transition>
     </mc:Choice>
-    <mc:Fallback>
+    <mc:Fallback xmlns="">
       <p:transition>
         <p:fade/>
       </p:transition>
@@ -19290,13 +19282,13 @@
   <p:clrMapOvr>
     <a:masterClrMapping/>
   </p:clrMapOvr>
-  <mc:AlternateContent xmlns:mc="http://schemas.openxmlformats.org/markup-compatibility/2006">
-    <mc:Choice xmlns:p14="http://schemas.microsoft.com/office/powerpoint/2010/main" Requires="p14">
+  <mc:AlternateContent xmlns:mc="http://schemas.openxmlformats.org/markup-compatibility/2006" xmlns:p14="http://schemas.microsoft.com/office/powerpoint/2010/main">
+    <mc:Choice Requires="p14">
       <p:transition p14:dur="250">
         <p:fade/>
       </p:transition>
     </mc:Choice>
-    <mc:Fallback>
+    <mc:Fallback xmlns="">
       <p:transition>
         <p:fade/>
       </p:transition>
@@ -19499,13 +19491,13 @@
   <p:clrMapOvr>
     <a:masterClrMapping/>
   </p:clrMapOvr>
-  <mc:AlternateContent xmlns:mc="http://schemas.openxmlformats.org/markup-compatibility/2006">
-    <mc:Choice xmlns:p14="http://schemas.microsoft.com/office/powerpoint/2010/main" Requires="p14">
+  <mc:AlternateContent xmlns:mc="http://schemas.openxmlformats.org/markup-compatibility/2006" xmlns:p14="http://schemas.microsoft.com/office/powerpoint/2010/main">
+    <mc:Choice Requires="p14">
       <p:transition p14:dur="250">
         <p:fade/>
       </p:transition>
     </mc:Choice>
-    <mc:Fallback>
+    <mc:Fallback xmlns="">
       <p:transition>
         <p:fade/>
       </p:transition>
@@ -19747,13 +19739,13 @@
   <p:clrMapOvr>
     <a:masterClrMapping/>
   </p:clrMapOvr>
-  <mc:AlternateContent xmlns:mc="http://schemas.openxmlformats.org/markup-compatibility/2006">
-    <mc:Choice xmlns:p14="http://schemas.microsoft.com/office/powerpoint/2010/main" Requires="p14">
+  <mc:AlternateContent xmlns:mc="http://schemas.openxmlformats.org/markup-compatibility/2006" xmlns:p14="http://schemas.microsoft.com/office/powerpoint/2010/main">
+    <mc:Choice Requires="p14">
       <p:transition p14:dur="250">
         <p:fade/>
       </p:transition>
     </mc:Choice>
-    <mc:Fallback>
+    <mc:Fallback xmlns="">
       <p:transition>
         <p:fade/>
       </p:transition>
@@ -19884,13 +19876,13 @@
   <p:clrMapOvr>
     <a:masterClrMapping/>
   </p:clrMapOvr>
-  <mc:AlternateContent xmlns:mc="http://schemas.openxmlformats.org/markup-compatibility/2006">
-    <mc:Choice xmlns:p14="http://schemas.microsoft.com/office/powerpoint/2010/main" Requires="p14">
+  <mc:AlternateContent xmlns:mc="http://schemas.openxmlformats.org/markup-compatibility/2006" xmlns:p14="http://schemas.microsoft.com/office/powerpoint/2010/main">
+    <mc:Choice Requires="p14">
       <p:transition p14:dur="250">
         <p:fade/>
       </p:transition>
     </mc:Choice>
-    <mc:Fallback>
+    <mc:Fallback xmlns="">
       <p:transition>
         <p:fade/>
       </p:transition>
@@ -20040,13 +20032,13 @@
   <p:clrMapOvr>
     <a:masterClrMapping/>
   </p:clrMapOvr>
-  <mc:AlternateContent xmlns:mc="http://schemas.openxmlformats.org/markup-compatibility/2006">
-    <mc:Choice xmlns:p14="http://schemas.microsoft.com/office/powerpoint/2010/main" Requires="p14">
+  <mc:AlternateContent xmlns:mc="http://schemas.openxmlformats.org/markup-compatibility/2006" xmlns:p14="http://schemas.microsoft.com/office/powerpoint/2010/main">
+    <mc:Choice Requires="p14">
       <p:transition p14:dur="250">
         <p:fade/>
       </p:transition>
     </mc:Choice>
-    <mc:Fallback>
+    <mc:Fallback xmlns="">
       <p:transition>
         <p:fade/>
       </p:transition>
@@ -20168,13 +20160,13 @@
   <p:clrMapOvr>
     <a:masterClrMapping/>
   </p:clrMapOvr>
-  <mc:AlternateContent xmlns:mc="http://schemas.openxmlformats.org/markup-compatibility/2006">
-    <mc:Choice xmlns:p14="http://schemas.microsoft.com/office/powerpoint/2010/main" Requires="p14">
+  <mc:AlternateContent xmlns:mc="http://schemas.openxmlformats.org/markup-compatibility/2006" xmlns:p14="http://schemas.microsoft.com/office/powerpoint/2010/main">
+    <mc:Choice Requires="p14">
       <p:transition p14:dur="250">
         <p:fade/>
       </p:transition>
     </mc:Choice>
-    <mc:Fallback>
+    <mc:Fallback xmlns="">
       <p:transition>
         <p:fade/>
       </p:transition>
@@ -20296,13 +20288,13 @@
   <p:clrMapOvr>
     <a:masterClrMapping/>
   </p:clrMapOvr>
-  <mc:AlternateContent xmlns:mc="http://schemas.openxmlformats.org/markup-compatibility/2006">
-    <mc:Choice xmlns:p14="http://schemas.microsoft.com/office/powerpoint/2010/main" Requires="p14">
+  <mc:AlternateContent xmlns:mc="http://schemas.openxmlformats.org/markup-compatibility/2006" xmlns:p14="http://schemas.microsoft.com/office/powerpoint/2010/main">
+    <mc:Choice Requires="p14">
       <p:transition p14:dur="250">
         <p:fade/>
       </p:transition>
     </mc:Choice>
-    <mc:Fallback>
+    <mc:Fallback xmlns="">
       <p:transition>
         <p:fade/>
       </p:transition>
@@ -20411,11 +20403,7 @@
           <a:p>
             <a:r>
               <a:rPr lang="en-US" dirty="0" smtClean="0"/>
-              <a:t>Anonymous functions, </a:t>
-            </a:r>
-            <a:r>
-              <a:rPr lang="en-US" dirty="0" smtClean="0"/>
-              <a:t>…</a:t>
+              <a:t>Anonymous functions, …</a:t>
             </a:r>
           </a:p>
           <a:p>
@@ -20430,7 +20418,6 @@
               <a:rPr lang="en-US" dirty="0" smtClean="0"/>
               <a:t>Function1, Function2, …</a:t>
             </a:r>
-            <a:endParaRPr lang="en-US" dirty="0" smtClean="0"/>
           </a:p>
           <a:p>
             <a:endParaRPr lang="en-US" dirty="0"/>
@@ -20438,11 +20425,7 @@
           <a:p>
             <a:r>
               <a:rPr lang="en-US" dirty="0" smtClean="0"/>
-              <a:t>Example: </a:t>
-            </a:r>
-            <a:r>
-              <a:rPr lang="en-US" dirty="0" smtClean="0"/>
-              <a:t>E16</a:t>
+              <a:t>Example: E16</a:t>
             </a:r>
             <a:endParaRPr lang="cs-CZ" dirty="0"/>
           </a:p>
@@ -20458,13 +20441,13 @@
   <p:clrMapOvr>
     <a:masterClrMapping/>
   </p:clrMapOvr>
-  <mc:AlternateContent xmlns:mc="http://schemas.openxmlformats.org/markup-compatibility/2006">
-    <mc:Choice xmlns:p14="http://schemas.microsoft.com/office/powerpoint/2010/main" Requires="p14">
+  <mc:AlternateContent xmlns:mc="http://schemas.openxmlformats.org/markup-compatibility/2006" xmlns:p14="http://schemas.microsoft.com/office/powerpoint/2010/main">
+    <mc:Choice Requires="p14">
       <p:transition p14:dur="250">
         <p:fade/>
       </p:transition>
     </mc:Choice>
-    <mc:Fallback>
+    <mc:Fallback xmlns="">
       <p:transition>
         <p:fade/>
       </p:transition>
@@ -20593,13 +20576,13 @@
   <p:clrMapOvr>
     <a:masterClrMapping/>
   </p:clrMapOvr>
-  <mc:AlternateContent xmlns:mc="http://schemas.openxmlformats.org/markup-compatibility/2006">
-    <mc:Choice xmlns:p14="http://schemas.microsoft.com/office/powerpoint/2010/main" Requires="p14">
+  <mc:AlternateContent xmlns:mc="http://schemas.openxmlformats.org/markup-compatibility/2006" xmlns:p14="http://schemas.microsoft.com/office/powerpoint/2010/main">
+    <mc:Choice Requires="p14">
       <p:transition p14:dur="250">
         <p:fade/>
       </p:transition>
     </mc:Choice>
-    <mc:Fallback>
+    <mc:Fallback xmlns="">
       <p:transition>
         <p:fade/>
       </p:transition>
@@ -20764,13 +20747,13 @@
   <p:clrMapOvr>
     <a:masterClrMapping/>
   </p:clrMapOvr>
-  <mc:AlternateContent xmlns:mc="http://schemas.openxmlformats.org/markup-compatibility/2006">
-    <mc:Choice xmlns:p14="http://schemas.microsoft.com/office/powerpoint/2010/main" Requires="p14">
+  <mc:AlternateContent xmlns:mc="http://schemas.openxmlformats.org/markup-compatibility/2006" xmlns:p14="http://schemas.microsoft.com/office/powerpoint/2010/main">
+    <mc:Choice Requires="p14">
       <p:transition p14:dur="250">
         <p:fade/>
       </p:transition>
     </mc:Choice>
-    <mc:Fallback>
+    <mc:Fallback xmlns="">
       <p:transition>
         <p:fade/>
       </p:transition>
@@ -21071,13 +21054,13 @@
   <p:clrMapOvr>
     <a:masterClrMapping/>
   </p:clrMapOvr>
-  <mc:AlternateContent xmlns:mc="http://schemas.openxmlformats.org/markup-compatibility/2006">
-    <mc:Choice xmlns:p14="http://schemas.microsoft.com/office/powerpoint/2010/main" Requires="p14">
+  <mc:AlternateContent xmlns:mc="http://schemas.openxmlformats.org/markup-compatibility/2006" xmlns:p14="http://schemas.microsoft.com/office/powerpoint/2010/main">
+    <mc:Choice Requires="p14">
       <p:transition p14:dur="250">
         <p:fade/>
       </p:transition>
     </mc:Choice>
-    <mc:Fallback>
+    <mc:Fallback xmlns="">
       <p:transition>
         <p:fade/>
       </p:transition>
@@ -21212,13 +21195,13 @@
   <p:clrMapOvr>
     <a:masterClrMapping/>
   </p:clrMapOvr>
-  <mc:AlternateContent xmlns:mc="http://schemas.openxmlformats.org/markup-compatibility/2006">
-    <mc:Choice xmlns:p14="http://schemas.microsoft.com/office/powerpoint/2010/main" Requires="p14">
+  <mc:AlternateContent xmlns:mc="http://schemas.openxmlformats.org/markup-compatibility/2006" xmlns:p14="http://schemas.microsoft.com/office/powerpoint/2010/main">
+    <mc:Choice Requires="p14">
       <p:transition p14:dur="250">
         <p:fade/>
       </p:transition>
     </mc:Choice>
-    <mc:Fallback>
+    <mc:Fallback xmlns="">
       <p:transition>
         <p:fade/>
       </p:transition>
@@ -21285,11 +21268,7 @@
           <a:p>
             <a:r>
               <a:rPr lang="en-US" dirty="0" smtClean="0"/>
-              <a:t>Behavior Driven </a:t>
-            </a:r>
-            <a:r>
-              <a:rPr lang="en-US" dirty="0" smtClean="0"/>
-              <a:t>Development</a:t>
+              <a:t>Behavior Driven Development</a:t>
             </a:r>
             <a:endParaRPr lang="cs-CZ" dirty="0"/>
           </a:p>
@@ -21349,13 +21328,13 @@
   <p:clrMapOvr>
     <a:masterClrMapping/>
   </p:clrMapOvr>
-  <mc:AlternateContent xmlns:mc="http://schemas.openxmlformats.org/markup-compatibility/2006">
-    <mc:Choice xmlns:p14="http://schemas.microsoft.com/office/powerpoint/2010/main" Requires="p14">
+  <mc:AlternateContent xmlns:mc="http://schemas.openxmlformats.org/markup-compatibility/2006" xmlns:p14="http://schemas.microsoft.com/office/powerpoint/2010/main">
+    <mc:Choice Requires="p14">
       <p:transition p14:dur="250">
         <p:fade/>
       </p:transition>
     </mc:Choice>
-    <mc:Fallback>
+    <mc:Fallback xmlns="">
       <p:transition>
         <p:fade/>
       </p:transition>
@@ -21510,13 +21489,13 @@
   <p:clrMapOvr>
     <a:masterClrMapping/>
   </p:clrMapOvr>
-  <mc:AlternateContent xmlns:mc="http://schemas.openxmlformats.org/markup-compatibility/2006">
-    <mc:Choice xmlns:p14="http://schemas.microsoft.com/office/powerpoint/2010/main" Requires="p14">
+  <mc:AlternateContent xmlns:mc="http://schemas.openxmlformats.org/markup-compatibility/2006" xmlns:p14="http://schemas.microsoft.com/office/powerpoint/2010/main">
+    <mc:Choice Requires="p14">
       <p:transition p14:dur="250">
         <p:fade/>
       </p:transition>
     </mc:Choice>
-    <mc:Fallback>
+    <mc:Fallback xmlns="">
       <p:transition>
         <p:fade/>
       </p:transition>
@@ -21663,13 +21642,13 @@
   <p:clrMapOvr>
     <a:masterClrMapping/>
   </p:clrMapOvr>
-  <mc:AlternateContent xmlns:mc="http://schemas.openxmlformats.org/markup-compatibility/2006">
-    <mc:Choice xmlns:p14="http://schemas.microsoft.com/office/powerpoint/2010/main" Requires="p14">
+  <mc:AlternateContent xmlns:mc="http://schemas.openxmlformats.org/markup-compatibility/2006" xmlns:p14="http://schemas.microsoft.com/office/powerpoint/2010/main">
+    <mc:Choice Requires="p14">
       <p:transition p14:dur="250">
         <p:fade/>
       </p:transition>
     </mc:Choice>
-    <mc:Fallback>
+    <mc:Fallback xmlns="">
       <p:transition>
         <p:fade/>
       </p:transition>
@@ -21823,13 +21802,13 @@
   <p:clrMapOvr>
     <a:masterClrMapping/>
   </p:clrMapOvr>
-  <mc:AlternateContent xmlns:mc="http://schemas.openxmlformats.org/markup-compatibility/2006">
-    <mc:Choice xmlns:p14="http://schemas.microsoft.com/office/powerpoint/2010/main" Requires="p14">
+  <mc:AlternateContent xmlns:mc="http://schemas.openxmlformats.org/markup-compatibility/2006" xmlns:p14="http://schemas.microsoft.com/office/powerpoint/2010/main">
+    <mc:Choice Requires="p14">
       <p:transition p14:dur="250">
         <p:fade/>
       </p:transition>
     </mc:Choice>
-    <mc:Fallback>
+    <mc:Fallback xmlns="">
       <p:transition>
         <p:fade/>
       </p:transition>
@@ -21960,13 +21939,13 @@
   <p:clrMapOvr>
     <a:masterClrMapping/>
   </p:clrMapOvr>
-  <mc:AlternateContent xmlns:mc="http://schemas.openxmlformats.org/markup-compatibility/2006">
-    <mc:Choice xmlns:p14="http://schemas.microsoft.com/office/powerpoint/2010/main" Requires="p14">
+  <mc:AlternateContent xmlns:mc="http://schemas.openxmlformats.org/markup-compatibility/2006" xmlns:p14="http://schemas.microsoft.com/office/powerpoint/2010/main">
+    <mc:Choice Requires="p14">
       <p:transition p14:dur="250">
         <p:fade/>
       </p:transition>
     </mc:Choice>
-    <mc:Fallback>
+    <mc:Fallback xmlns="">
       <p:transition>
         <p:fade/>
       </p:transition>
@@ -22103,13 +22082,13 @@
   <p:clrMapOvr>
     <a:masterClrMapping/>
   </p:clrMapOvr>
-  <mc:AlternateContent xmlns:mc="http://schemas.openxmlformats.org/markup-compatibility/2006">
-    <mc:Choice xmlns:p14="http://schemas.microsoft.com/office/powerpoint/2010/main" Requires="p14">
+  <mc:AlternateContent xmlns:mc="http://schemas.openxmlformats.org/markup-compatibility/2006" xmlns:p14="http://schemas.microsoft.com/office/powerpoint/2010/main">
+    <mc:Choice Requires="p14">
       <p:transition p14:dur="250">
         <p:fade/>
       </p:transition>
     </mc:Choice>
-    <mc:Fallback>
+    <mc:Fallback xmlns="">
       <p:transition>
         <p:fade/>
       </p:transition>
@@ -22211,13 +22190,13 @@
   <p:clrMapOvr>
     <a:masterClrMapping/>
   </p:clrMapOvr>
-  <mc:AlternateContent xmlns:mc="http://schemas.openxmlformats.org/markup-compatibility/2006">
-    <mc:Choice xmlns:p14="http://schemas.microsoft.com/office/powerpoint/2010/main" Requires="p14">
+  <mc:AlternateContent xmlns:mc="http://schemas.openxmlformats.org/markup-compatibility/2006" xmlns:p14="http://schemas.microsoft.com/office/powerpoint/2010/main">
+    <mc:Choice Requires="p14">
       <p:transition p14:dur="250">
         <p:fade/>
       </p:transition>
     </mc:Choice>
-    <mc:Fallback>
+    <mc:Fallback xmlns="">
       <p:transition>
         <p:fade/>
       </p:transition>
@@ -22359,13 +22338,13 @@
   <p:clrMapOvr>
     <a:masterClrMapping/>
   </p:clrMapOvr>
-  <mc:AlternateContent xmlns:mc="http://schemas.openxmlformats.org/markup-compatibility/2006">
-    <mc:Choice xmlns:p14="http://schemas.microsoft.com/office/powerpoint/2010/main" Requires="p14">
+  <mc:AlternateContent xmlns:mc="http://schemas.openxmlformats.org/markup-compatibility/2006" xmlns:p14="http://schemas.microsoft.com/office/powerpoint/2010/main">
+    <mc:Choice Requires="p14">
       <p:transition p14:dur="250">
         <p:fade/>
       </p:transition>
     </mc:Choice>
-    <mc:Fallback>
+    <mc:Fallback xmlns="">
       <p:transition>
         <p:fade/>
       </p:transition>
@@ -22490,13 +22469,13 @@
   <p:clrMapOvr>
     <a:masterClrMapping/>
   </p:clrMapOvr>
-  <mc:AlternateContent xmlns:mc="http://schemas.openxmlformats.org/markup-compatibility/2006">
-    <mc:Choice xmlns:p14="http://schemas.microsoft.com/office/powerpoint/2010/main" Requires="p14">
+  <mc:AlternateContent xmlns:mc="http://schemas.openxmlformats.org/markup-compatibility/2006" xmlns:p14="http://schemas.microsoft.com/office/powerpoint/2010/main">
+    <mc:Choice Requires="p14">
       <p:transition p14:dur="250">
         <p:fade/>
       </p:transition>
     </mc:Choice>
-    <mc:Fallback>
+    <mc:Fallback xmlns="">
       <p:transition>
         <p:fade/>
       </p:transition>
@@ -22954,13 +22933,13 @@
   <p:clrMapOvr>
     <a:masterClrMapping/>
   </p:clrMapOvr>
-  <mc:AlternateContent xmlns:mc="http://schemas.openxmlformats.org/markup-compatibility/2006">
-    <mc:Choice xmlns:p14="http://schemas.microsoft.com/office/powerpoint/2010/main" Requires="p14">
+  <mc:AlternateContent xmlns:mc="http://schemas.openxmlformats.org/markup-compatibility/2006" xmlns:p14="http://schemas.microsoft.com/office/powerpoint/2010/main">
+    <mc:Choice Requires="p14">
       <p:transition p14:dur="250">
         <p:fade/>
       </p:transition>
     </mc:Choice>
-    <mc:Fallback>
+    <mc:Fallback xmlns="">
       <p:transition>
         <p:fade/>
       </p:transition>
@@ -23034,11 +23013,7 @@
           <a:p>
             <a:r>
               <a:rPr lang="en-US" dirty="0" smtClean="0"/>
-              <a:t>Implicit </a:t>
-            </a:r>
-            <a:r>
-              <a:rPr lang="en-US" dirty="0" smtClean="0"/>
-              <a:t>parameters</a:t>
+              <a:t>Implicit parameters</a:t>
             </a:r>
             <a:endParaRPr lang="cs-CZ" dirty="0"/>
           </a:p>
@@ -23073,13 +23048,13 @@
   <p:clrMapOvr>
     <a:masterClrMapping/>
   </p:clrMapOvr>
-  <mc:AlternateContent xmlns:mc="http://schemas.openxmlformats.org/markup-compatibility/2006">
-    <mc:Choice xmlns:p14="http://schemas.microsoft.com/office/powerpoint/2010/main" Requires="p14">
+  <mc:AlternateContent xmlns:mc="http://schemas.openxmlformats.org/markup-compatibility/2006" xmlns:p14="http://schemas.microsoft.com/office/powerpoint/2010/main">
+    <mc:Choice Requires="p14">
       <p:transition p14:dur="250">
         <p:fade/>
       </p:transition>
     </mc:Choice>
-    <mc:Fallback>
+    <mc:Fallback xmlns="">
       <p:transition>
         <p:fade/>
       </p:transition>
@@ -23237,13 +23212,13 @@
   <p:clrMapOvr>
     <a:masterClrMapping/>
   </p:clrMapOvr>
-  <mc:AlternateContent xmlns:mc="http://schemas.openxmlformats.org/markup-compatibility/2006">
-    <mc:Choice xmlns:p14="http://schemas.microsoft.com/office/powerpoint/2010/main" Requires="p14">
+  <mc:AlternateContent xmlns:mc="http://schemas.openxmlformats.org/markup-compatibility/2006" xmlns:p14="http://schemas.microsoft.com/office/powerpoint/2010/main">
+    <mc:Choice Requires="p14">
       <p:transition p14:dur="250">
         <p:fade/>
       </p:transition>
     </mc:Choice>
-    <mc:Fallback>
+    <mc:Fallback xmlns="">
       <p:transition>
         <p:fade/>
       </p:transition>
@@ -23890,13 +23865,13 @@
   <p:clrMapOvr>
     <a:masterClrMapping/>
   </p:clrMapOvr>
-  <mc:AlternateContent xmlns:mc="http://schemas.openxmlformats.org/markup-compatibility/2006">
-    <mc:Choice xmlns:p14="http://schemas.microsoft.com/office/powerpoint/2010/main" Requires="p14">
+  <mc:AlternateContent xmlns:mc="http://schemas.openxmlformats.org/markup-compatibility/2006" xmlns:p14="http://schemas.microsoft.com/office/powerpoint/2010/main">
+    <mc:Choice Requires="p14">
       <p:transition p14:dur="250">
         <p:fade/>
       </p:transition>
     </mc:Choice>
-    <mc:Fallback>
+    <mc:Fallback xmlns="">
       <p:transition>
         <p:fade/>
       </p:transition>

--- a/2013-14/lecture3-4/slides/scala.pptx
+++ b/2013-14/lecture3-4/slides/scala.pptx
@@ -264,7 +264,7 @@
           <a:p>
             <a:fld id="{F6634EE6-E3E2-4752-AFAF-40BA9CECAF97}" type="datetimeFigureOut">
               <a:rPr lang="cs-CZ" smtClean="0"/>
-              <a:t>31. 10. 2013</a:t>
+              <a:t>1. 11. 2013</a:t>
             </a:fld>
             <a:endParaRPr lang="cs-CZ"/>
           </a:p>
@@ -430,7 +430,7 @@
             <a:fld id="{44F2E173-AC20-46B7-B073-0E359536B958}" type="datetimeFigureOut">
               <a:rPr lang="cs-CZ" smtClean="0"/>
               <a:pPr/>
-              <a:t>31. 10. 2013</a:t>
+              <a:t>1. 11. 2013</a:t>
             </a:fld>
             <a:endParaRPr lang="cs-CZ"/>
           </a:p>
@@ -16226,11 +16226,7 @@
           <a:p>
             <a:r>
               <a:rPr lang="en-US" dirty="0" smtClean="0"/>
-              <a:t>Semicolon </a:t>
-            </a:r>
-            <a:r>
-              <a:rPr lang="en-US" dirty="0" smtClean="0"/>
-              <a:t>inference</a:t>
+              <a:t>Semicolon inference</a:t>
             </a:r>
             <a:endParaRPr lang="cs-CZ" dirty="0"/>
           </a:p>
@@ -16471,8 +16467,26 @@
           <a:p>
             <a:r>
               <a:rPr lang="en-US" dirty="0" smtClean="0"/>
-              <a:t>Example: E02</a:t>
-            </a:r>
+              <a:t>Example: </a:t>
+            </a:r>
+            <a:r>
+              <a:rPr lang="en-US" dirty="0" smtClean="0"/>
+              <a:t>E02</a:t>
+            </a:r>
+          </a:p>
+          <a:p>
+            <a:endParaRPr lang="en-US" dirty="0"/>
+          </a:p>
+          <a:p>
+            <a:r>
+              <a:rPr lang="en-US" dirty="0" smtClean="0"/>
+              <a:t>Decompiled – </a:t>
+            </a:r>
+            <a:r>
+              <a:rPr lang="en-US" dirty="0" err="1" smtClean="0"/>
+              <a:t>DynamicTypingMain</a:t>
+            </a:r>
+            <a:endParaRPr lang="en-US" dirty="0" smtClean="0"/>
           </a:p>
         </p:txBody>
       </p:sp>
@@ -16616,8 +16630,30 @@
           <a:p>
             <a:r>
               <a:rPr lang="en-US" dirty="0" smtClean="0"/>
-              <a:t>Example: E03</a:t>
-            </a:r>
+              <a:t>Example: </a:t>
+            </a:r>
+            <a:r>
+              <a:rPr lang="en-US" dirty="0" smtClean="0"/>
+              <a:t>E03</a:t>
+            </a:r>
+          </a:p>
+          <a:p>
+            <a:endParaRPr lang="en-US" dirty="0"/>
+          </a:p>
+          <a:p>
+            <a:r>
+              <a:rPr lang="en-US" dirty="0" smtClean="0"/>
+              <a:t>Decompiled – </a:t>
+            </a:r>
+            <a:r>
+              <a:rPr lang="en-US" dirty="0" err="1" smtClean="0"/>
+              <a:t>AppLogger</a:t>
+            </a:r>
+            <a:r>
+              <a:rPr lang="en-US" smtClean="0"/>
+              <a:t>, Logger</a:t>
+            </a:r>
+            <a:endParaRPr lang="en-US" dirty="0" smtClean="0"/>
           </a:p>
         </p:txBody>
       </p:sp>
